--- a/DATOS COVID Chile 2021 11 06.pptx
+++ b/DATOS COVID Chile 2021 11 06.pptx
@@ -5,7 +5,7 @@
     <p:sldMasterId id="2147483648" r:id="rId1"/>
   </p:sldMasterIdLst>
   <p:notesMasterIdLst>
-    <p:notesMasterId r:id="rId21"/>
+    <p:notesMasterId r:id="rId20"/>
   </p:notesMasterIdLst>
   <p:sldIdLst>
     <p:sldId id="266" r:id="rId2"/>
@@ -26,7 +26,6 @@
     <p:sldId id="300" r:id="rId17"/>
     <p:sldId id="401" r:id="rId18"/>
     <p:sldId id="288" r:id="rId19"/>
-    <p:sldId id="406" r:id="rId20"/>
   </p:sldIdLst>
   <p:sldSz cx="12192000" cy="6858000"/>
   <p:notesSz cx="6858000" cy="9144000"/>
@@ -5339,10 +5338,10 @@
       </p:sp>
       <p:pic>
         <p:nvPicPr>
-          <p:cNvPr id="4" name="Picture 3" descr="Chart, bar chart&#10;&#10;Description automatically generated">
-            <a:extLst>
-              <a:ext uri="{FF2B5EF4-FFF2-40B4-BE49-F238E27FC236}">
-                <a16:creationId xmlns:a16="http://schemas.microsoft.com/office/drawing/2014/main" id="{0642F835-F535-FE48-A1D5-67C17525528C}"/>
+          <p:cNvPr id="10" name="Picture 9" descr="Chart, bar chart&#10;&#10;Description automatically generated">
+            <a:extLst>
+              <a:ext uri="{FF2B5EF4-FFF2-40B4-BE49-F238E27FC236}">
+                <a16:creationId xmlns:a16="http://schemas.microsoft.com/office/drawing/2014/main" id="{480DCA38-74DB-E746-AFBA-0CA5E4D18F43}"/>
               </a:ext>
             </a:extLst>
           </p:cNvPr>
@@ -5359,8 +5358,8 @@
         </p:blipFill>
         <p:spPr>
           <a:xfrm>
-            <a:off x="1039302" y="758034"/>
-            <a:ext cx="10113396" cy="5690586"/>
+            <a:off x="1715660" y="850672"/>
+            <a:ext cx="8760678" cy="5467372"/>
           </a:xfrm>
           <a:prstGeom prst="rect">
             <a:avLst/>
@@ -6145,86 +6144,6 @@
     <p:extLst>
       <p:ext uri="{BB962C8B-B14F-4D97-AF65-F5344CB8AC3E}">
         <p14:creationId xmlns:p14="http://schemas.microsoft.com/office/powerpoint/2010/main" val="319308570"/>
-      </p:ext>
-    </p:extLst>
-  </p:cSld>
-  <p:clrMapOvr>
-    <a:masterClrMapping/>
-  </p:clrMapOvr>
-</p:sld>
-</file>
-
-<file path=ppt/slides/slide19.xml><?xml version="1.0" encoding="utf-8"?>
-<p:sld xmlns:a="http://schemas.openxmlformats.org/drawingml/2006/main" xmlns:r="http://schemas.openxmlformats.org/officeDocument/2006/relationships" xmlns:p="http://schemas.openxmlformats.org/presentationml/2006/main">
-  <p:cSld>
-    <p:spTree>
-      <p:nvGrpSpPr>
-        <p:cNvPr id="1" name=""/>
-        <p:cNvGrpSpPr/>
-        <p:nvPr/>
-      </p:nvGrpSpPr>
-      <p:grpSpPr>
-        <a:xfrm>
-          <a:off x="0" y="0"/>
-          <a:ext cx="0" cy="0"/>
-          <a:chOff x="0" y="0"/>
-          <a:chExt cx="0" cy="0"/>
-        </a:xfrm>
-      </p:grpSpPr>
-      <p:sp>
-        <p:nvSpPr>
-          <p:cNvPr id="2" name="Title 1">
-            <a:extLst>
-              <a:ext uri="{FF2B5EF4-FFF2-40B4-BE49-F238E27FC236}">
-                <a16:creationId xmlns:a16="http://schemas.microsoft.com/office/drawing/2014/main" id="{73307BEE-2B98-CE4A-BAF7-2EA9E213A250}"/>
-              </a:ext>
-            </a:extLst>
-          </p:cNvPr>
-          <p:cNvSpPr>
-            <a:spLocks noGrp="1"/>
-          </p:cNvSpPr>
-          <p:nvPr>
-            <p:ph type="title"/>
-          </p:nvPr>
-        </p:nvSpPr>
-        <p:spPr/>
-        <p:txBody>
-          <a:bodyPr/>
-          <a:lstStyle/>
-          <a:p>
-            <a:endParaRPr lang="en-US"/>
-          </a:p>
-        </p:txBody>
-      </p:sp>
-      <p:sp>
-        <p:nvSpPr>
-          <p:cNvPr id="3" name="Content Placeholder 2">
-            <a:extLst>
-              <a:ext uri="{FF2B5EF4-FFF2-40B4-BE49-F238E27FC236}">
-                <a16:creationId xmlns:a16="http://schemas.microsoft.com/office/drawing/2014/main" id="{09702A3D-1795-5546-9838-20FC45016835}"/>
-              </a:ext>
-            </a:extLst>
-          </p:cNvPr>
-          <p:cNvSpPr>
-            <a:spLocks noGrp="1"/>
-          </p:cNvSpPr>
-          <p:nvPr>
-            <p:ph idx="1"/>
-          </p:nvPr>
-        </p:nvSpPr>
-        <p:spPr/>
-        <p:txBody>
-          <a:bodyPr/>
-          <a:lstStyle/>
-          <a:p>
-            <a:endParaRPr lang="en-US"/>
-          </a:p>
-        </p:txBody>
-      </p:sp>
-    </p:spTree>
-    <p:extLst>
-      <p:ext uri="{BB962C8B-B14F-4D97-AF65-F5344CB8AC3E}">
-        <p14:creationId xmlns:p14="http://schemas.microsoft.com/office/powerpoint/2010/main" val="4090675535"/>
       </p:ext>
     </p:extLst>
   </p:cSld>
@@ -6858,7 +6777,7 @@
         <p:spPr>
           <a:xfrm>
             <a:off x="571089" y="1725679"/>
-            <a:ext cx="5959542" cy="4876909"/>
+            <a:ext cx="5778262" cy="4728561"/>
           </a:xfrm>
           <a:prstGeom prst="rect">
             <a:avLst/>
@@ -7061,7 +6980,7 @@
         </p:nvSpPr>
         <p:spPr>
           <a:xfrm rot="19829228">
-            <a:off x="4569383" y="4290621"/>
+            <a:off x="4463876" y="4185114"/>
             <a:ext cx="1557992" cy="853461"/>
           </a:xfrm>
           <a:prstGeom prst="ellipse">

--- a/DATOS COVID Chile 2021 11 06.pptx
+++ b/DATOS COVID Chile 2021 11 06.pptx
@@ -6726,10 +6726,10 @@
       </p:grpSpPr>
       <p:pic>
         <p:nvPicPr>
-          <p:cNvPr id="2" name="Picture 1">
-            <a:extLst>
-              <a:ext uri="{FF2B5EF4-FFF2-40B4-BE49-F238E27FC236}">
-                <a16:creationId xmlns:a16="http://schemas.microsoft.com/office/drawing/2014/main" id="{E80A76C0-5ECF-3644-A1FA-2F2C3AC5537F}"/>
+          <p:cNvPr id="7" name="Picture 6">
+            <a:extLst>
+              <a:ext uri="{FF2B5EF4-FFF2-40B4-BE49-F238E27FC236}">
+                <a16:creationId xmlns:a16="http://schemas.microsoft.com/office/drawing/2014/main" id="{2A5C15F8-D43C-F649-B58C-940DDEA695BC}"/>
               </a:ext>
             </a:extLst>
           </p:cNvPr>
@@ -6746,8 +6746,8 @@
         </p:blipFill>
         <p:spPr>
           <a:xfrm>
-            <a:off x="6409696" y="1725679"/>
-            <a:ext cx="5782304" cy="4728561"/>
+            <a:off x="6283883" y="1828347"/>
+            <a:ext cx="5810468" cy="4625893"/>
           </a:xfrm>
           <a:prstGeom prst="rect">
             <a:avLst/>
@@ -7084,11 +7084,7 @@
           <a:p>
             <a:r>
               <a:rPr lang="en-US" b="1" dirty="0"/>
-              <a:t>DATOS REPORTADOS EL </a:t>
-            </a:r>
-            <a:r>
-              <a:rPr lang="en-US" b="1" strike="sngStrike" dirty="0"/>
-              <a:t>SABADO 6 NOVIEMBRE</a:t>
+              <a:t>DATOS REPORTADOS EL SABADO 6 NOVIEMBRE</a:t>
             </a:r>
           </a:p>
         </p:txBody>
@@ -7107,7 +7103,7 @@
         </p:nvSpPr>
         <p:spPr>
           <a:xfrm rot="18971302">
-            <a:off x="9722980" y="3828657"/>
+            <a:off x="9640918" y="3828659"/>
             <a:ext cx="1539773" cy="957874"/>
           </a:xfrm>
           <a:prstGeom prst="ellipse">
@@ -7142,41 +7138,6 @@
           <a:p>
             <a:pPr algn="ctr"/>
             <a:endParaRPr lang="en-US"/>
-          </a:p>
-        </p:txBody>
-      </p:sp>
-      <p:sp>
-        <p:nvSpPr>
-          <p:cNvPr id="5" name="TextBox 4">
-            <a:extLst>
-              <a:ext uri="{FF2B5EF4-FFF2-40B4-BE49-F238E27FC236}">
-                <a16:creationId xmlns:a16="http://schemas.microsoft.com/office/drawing/2014/main" id="{41979FAB-0E25-AC48-B38C-CC310D1CD593}"/>
-              </a:ext>
-            </a:extLst>
-          </p:cNvPr>
-          <p:cNvSpPr txBox="1"/>
-          <p:nvPr/>
-        </p:nvSpPr>
-        <p:spPr>
-          <a:xfrm>
-            <a:off x="9605738" y="1368687"/>
-            <a:ext cx="2358081" cy="369332"/>
-          </a:xfrm>
-          <a:prstGeom prst="rect">
-            <a:avLst/>
-          </a:prstGeom>
-          <a:noFill/>
-        </p:spPr>
-        <p:txBody>
-          <a:bodyPr wrap="none" rtlCol="0">
-            <a:spAutoFit/>
-          </a:bodyPr>
-          <a:lstStyle/>
-          <a:p>
-            <a:r>
-              <a:rPr lang="en-US" dirty="0"/>
-              <a:t>VIERNES 5 NOVIEMBRE</a:t>
-            </a:r>
           </a:p>
         </p:txBody>
       </p:sp>
@@ -7585,7 +7546,7 @@
         <p:spPr>
           <a:xfrm>
             <a:off x="934148" y="1929294"/>
-            <a:ext cx="4858839" cy="0"/>
+            <a:ext cx="4118498" cy="0"/>
           </a:xfrm>
           <a:prstGeom prst="line">
             <a:avLst/>
